--- a/catriona_ford_PDA/Static_and_Dynaic_Testing.pptx
+++ b/catriona_ford_PDA/Static_and_Dynaic_Testing.pptx
@@ -6,6 +6,14 @@
   </p:sldMasterIdLst>
   <p:sldIdLst>
     <p:sldId id="256" r:id="rId2"/>
+    <p:sldId id="257" r:id="rId3"/>
+    <p:sldId id="259" r:id="rId4"/>
+    <p:sldId id="258" r:id="rId5"/>
+    <p:sldId id="260" r:id="rId6"/>
+    <p:sldId id="261" r:id="rId7"/>
+    <p:sldId id="262" r:id="rId8"/>
+    <p:sldId id="263" r:id="rId9"/>
+    <p:sldId id="264" r:id="rId10"/>
   </p:sldIdLst>
   <p:sldSz cx="12192000" cy="6858000"/>
   <p:notesSz cx="6858000" cy="9144000"/>
@@ -3371,7 +3379,7 @@
           <a:lstStyle/>
           <a:p>
             <a:r>
-              <a:rPr lang="en-US"/>
+              <a:rPr lang="en-US" dirty="0"/>
               <a:t>16Nov2018</a:t>
             </a:r>
           </a:p>
@@ -3381,6 +3389,1242 @@
     <p:extLst>
       <p:ext uri="{BB962C8B-B14F-4D97-AF65-F5344CB8AC3E}">
         <p14:creationId xmlns:p14="http://schemas.microsoft.com/office/powerpoint/2010/main" val="4193776259"/>
+      </p:ext>
+    </p:extLst>
+  </p:cSld>
+  <p:clrMapOvr>
+    <a:masterClrMapping/>
+  </p:clrMapOvr>
+</p:sld>
+</file>
+
+<file path=ppt/slides/slide2.xml><?xml version="1.0" encoding="utf-8"?>
+<p:sld xmlns:a="http://schemas.openxmlformats.org/drawingml/2006/main" xmlns:r="http://schemas.openxmlformats.org/officeDocument/2006/relationships" xmlns:p="http://schemas.openxmlformats.org/presentationml/2006/main">
+  <p:cSld>
+    <p:spTree>
+      <p:nvGrpSpPr>
+        <p:cNvPr id="1" name=""/>
+        <p:cNvGrpSpPr/>
+        <p:nvPr/>
+      </p:nvGrpSpPr>
+      <p:grpSpPr>
+        <a:xfrm>
+          <a:off x="0" y="0"/>
+          <a:ext cx="0" cy="0"/>
+          <a:chOff x="0" y="0"/>
+          <a:chExt cx="0" cy="0"/>
+        </a:xfrm>
+      </p:grpSpPr>
+      <p:grpSp>
+        <p:nvGrpSpPr>
+          <p:cNvPr id="10" name="Group 9">
+            <a:extLst>
+              <a:ext uri="{FF2B5EF4-FFF2-40B4-BE49-F238E27FC236}">
+                <a16:creationId xmlns:a16="http://schemas.microsoft.com/office/drawing/2014/main" id="{3E35856F-8527-B945-BC24-B072830C0D56}"/>
+              </a:ext>
+            </a:extLst>
+          </p:cNvPr>
+          <p:cNvGrpSpPr/>
+          <p:nvPr/>
+        </p:nvGrpSpPr>
+        <p:grpSpPr>
+          <a:xfrm>
+            <a:off x="2387600" y="1534055"/>
+            <a:ext cx="7416800" cy="3789890"/>
+            <a:chOff x="3030008" y="389467"/>
+            <a:chExt cx="7416800" cy="3789890"/>
+          </a:xfrm>
+        </p:grpSpPr>
+        <p:pic>
+          <p:nvPicPr>
+            <p:cNvPr id="6" name="Picture 5">
+              <a:extLst>
+                <a:ext uri="{FF2B5EF4-FFF2-40B4-BE49-F238E27FC236}">
+                  <a16:creationId xmlns:a16="http://schemas.microsoft.com/office/drawing/2014/main" id="{38CE0B97-8C9E-DC4B-A6D3-3929906727DD}"/>
+                </a:ext>
+              </a:extLst>
+            </p:cNvPr>
+            <p:cNvPicPr>
+              <a:picLocks noChangeAspect="1"/>
+            </p:cNvPicPr>
+            <p:nvPr/>
+          </p:nvPicPr>
+          <p:blipFill rotWithShape="1">
+            <a:blip r:embed="rId2"/>
+            <a:srcRect b="66162"/>
+            <a:stretch/>
+          </p:blipFill>
+          <p:spPr>
+            <a:xfrm>
+              <a:off x="3030008" y="1228724"/>
+              <a:ext cx="7416800" cy="1633009"/>
+            </a:xfrm>
+            <a:prstGeom prst="rect">
+              <a:avLst/>
+            </a:prstGeom>
+          </p:spPr>
+        </p:pic>
+        <p:pic>
+          <p:nvPicPr>
+            <p:cNvPr id="8" name="Picture 7">
+              <a:extLst>
+                <a:ext uri="{FF2B5EF4-FFF2-40B4-BE49-F238E27FC236}">
+                  <a16:creationId xmlns:a16="http://schemas.microsoft.com/office/drawing/2014/main" id="{A69E172C-93AB-B543-A513-FE0476DFE0DC}"/>
+                </a:ext>
+              </a:extLst>
+            </p:cNvPr>
+            <p:cNvPicPr>
+              <a:picLocks noChangeAspect="1"/>
+            </p:cNvPicPr>
+            <p:nvPr/>
+          </p:nvPicPr>
+          <p:blipFill>
+            <a:blip r:embed="rId3"/>
+            <a:stretch>
+              <a:fillRect/>
+            </a:stretch>
+          </p:blipFill>
+          <p:spPr>
+            <a:xfrm>
+              <a:off x="4052358" y="3176057"/>
+              <a:ext cx="5372100" cy="1003300"/>
+            </a:xfrm>
+            <a:prstGeom prst="rect">
+              <a:avLst/>
+            </a:prstGeom>
+          </p:spPr>
+        </p:pic>
+        <p:sp>
+          <p:nvSpPr>
+            <p:cNvPr id="9" name="TextBox 8">
+              <a:extLst>
+                <a:ext uri="{FF2B5EF4-FFF2-40B4-BE49-F238E27FC236}">
+                  <a16:creationId xmlns:a16="http://schemas.microsoft.com/office/drawing/2014/main" id="{31CBCF67-7924-0941-897C-B5ABC3EB782E}"/>
+                </a:ext>
+              </a:extLst>
+            </p:cNvPr>
+            <p:cNvSpPr txBox="1"/>
+            <p:nvPr/>
+          </p:nvSpPr>
+          <p:spPr>
+            <a:xfrm>
+              <a:off x="3665008" y="389467"/>
+              <a:ext cx="6146800" cy="369332"/>
+            </a:xfrm>
+            <a:prstGeom prst="rect">
+              <a:avLst/>
+            </a:prstGeom>
+            <a:noFill/>
+          </p:spPr>
+          <p:txBody>
+            <a:bodyPr wrap="square" rtlCol="0">
+              <a:spAutoFit/>
+            </a:bodyPr>
+            <a:lstStyle/>
+            <a:p>
+              <a:pPr algn="ctr"/>
+              <a:r>
+                <a:rPr lang="en-US" dirty="0"/>
+                <a:t>Testing set-up failing – extra end</a:t>
+              </a:r>
+            </a:p>
+          </p:txBody>
+        </p:sp>
+      </p:grpSp>
+    </p:spTree>
+    <p:extLst>
+      <p:ext uri="{BB962C8B-B14F-4D97-AF65-F5344CB8AC3E}">
+        <p14:creationId xmlns:p14="http://schemas.microsoft.com/office/powerpoint/2010/main" val="2873502766"/>
+      </p:ext>
+    </p:extLst>
+  </p:cSld>
+  <p:clrMapOvr>
+    <a:masterClrMapping/>
+  </p:clrMapOvr>
+</p:sld>
+</file>
+
+<file path=ppt/slides/slide3.xml><?xml version="1.0" encoding="utf-8"?>
+<p:sld xmlns:a="http://schemas.openxmlformats.org/drawingml/2006/main" xmlns:r="http://schemas.openxmlformats.org/officeDocument/2006/relationships" xmlns:p="http://schemas.openxmlformats.org/presentationml/2006/main">
+  <p:cSld>
+    <p:spTree>
+      <p:nvGrpSpPr>
+        <p:cNvPr id="1" name=""/>
+        <p:cNvGrpSpPr/>
+        <p:nvPr/>
+      </p:nvGrpSpPr>
+      <p:grpSpPr>
+        <a:xfrm>
+          <a:off x="0" y="0"/>
+          <a:ext cx="0" cy="0"/>
+          <a:chOff x="0" y="0"/>
+          <a:chExt cx="0" cy="0"/>
+        </a:xfrm>
+      </p:grpSpPr>
+      <p:sp>
+        <p:nvSpPr>
+          <p:cNvPr id="9" name="TextBox 8">
+            <a:extLst>
+              <a:ext uri="{FF2B5EF4-FFF2-40B4-BE49-F238E27FC236}">
+                <a16:creationId xmlns:a16="http://schemas.microsoft.com/office/drawing/2014/main" id="{31CBCF67-7924-0941-897C-B5ABC3EB782E}"/>
+              </a:ext>
+            </a:extLst>
+          </p:cNvPr>
+          <p:cNvSpPr txBox="1"/>
+          <p:nvPr/>
+        </p:nvSpPr>
+        <p:spPr>
+          <a:xfrm>
+            <a:off x="3022600" y="1534055"/>
+            <a:ext cx="6146800" cy="369332"/>
+          </a:xfrm>
+          <a:prstGeom prst="rect">
+            <a:avLst/>
+          </a:prstGeom>
+          <a:noFill/>
+        </p:spPr>
+        <p:txBody>
+          <a:bodyPr wrap="square" rtlCol="0">
+            <a:spAutoFit/>
+          </a:bodyPr>
+          <a:lstStyle/>
+          <a:p>
+            <a:pPr algn="ctr"/>
+            <a:r>
+              <a:rPr lang="en-US" dirty="0"/>
+              <a:t>Testing set-up failing – No comma between card1 and card2</a:t>
+            </a:r>
+          </a:p>
+        </p:txBody>
+      </p:sp>
+      <p:pic>
+        <p:nvPicPr>
+          <p:cNvPr id="7" name="Picture 6">
+            <a:extLst>
+              <a:ext uri="{FF2B5EF4-FFF2-40B4-BE49-F238E27FC236}">
+                <a16:creationId xmlns:a16="http://schemas.microsoft.com/office/drawing/2014/main" id="{88CA88BB-D70B-A247-9E57-85BCBB39B456}"/>
+              </a:ext>
+            </a:extLst>
+          </p:cNvPr>
+          <p:cNvPicPr>
+            <a:picLocks noChangeAspect="1"/>
+          </p:cNvPicPr>
+          <p:nvPr/>
+        </p:nvPicPr>
+        <p:blipFill>
+          <a:blip r:embed="rId2"/>
+          <a:stretch>
+            <a:fillRect/>
+          </a:stretch>
+        </p:blipFill>
+        <p:spPr>
+          <a:xfrm>
+            <a:off x="2400300" y="2027240"/>
+            <a:ext cx="7391400" cy="2108200"/>
+          </a:xfrm>
+          <a:prstGeom prst="rect">
+            <a:avLst/>
+          </a:prstGeom>
+        </p:spPr>
+      </p:pic>
+      <p:pic>
+        <p:nvPicPr>
+          <p:cNvPr id="3" name="Picture 2">
+            <a:extLst>
+              <a:ext uri="{FF2B5EF4-FFF2-40B4-BE49-F238E27FC236}">
+                <a16:creationId xmlns:a16="http://schemas.microsoft.com/office/drawing/2014/main" id="{4DA753FE-CEFA-CD4E-BE00-ED6E33196EC6}"/>
+              </a:ext>
+            </a:extLst>
+          </p:cNvPr>
+          <p:cNvPicPr>
+            <a:picLocks noChangeAspect="1"/>
+          </p:cNvPicPr>
+          <p:nvPr/>
+        </p:nvPicPr>
+        <p:blipFill>
+          <a:blip r:embed="rId3"/>
+          <a:stretch>
+            <a:fillRect/>
+          </a:stretch>
+        </p:blipFill>
+        <p:spPr>
+          <a:xfrm>
+            <a:off x="3530600" y="4318560"/>
+            <a:ext cx="5130800" cy="546100"/>
+          </a:xfrm>
+          <a:prstGeom prst="rect">
+            <a:avLst/>
+          </a:prstGeom>
+        </p:spPr>
+      </p:pic>
+    </p:spTree>
+    <p:extLst>
+      <p:ext uri="{BB962C8B-B14F-4D97-AF65-F5344CB8AC3E}">
+        <p14:creationId xmlns:p14="http://schemas.microsoft.com/office/powerpoint/2010/main" val="2153626418"/>
+      </p:ext>
+    </p:extLst>
+  </p:cSld>
+  <p:clrMapOvr>
+    <a:masterClrMapping/>
+  </p:clrMapOvr>
+</p:sld>
+</file>
+
+<file path=ppt/slides/slide4.xml><?xml version="1.0" encoding="utf-8"?>
+<p:sld xmlns:a="http://schemas.openxmlformats.org/drawingml/2006/main" xmlns:r="http://schemas.openxmlformats.org/officeDocument/2006/relationships" xmlns:p="http://schemas.openxmlformats.org/presentationml/2006/main">
+  <p:cSld>
+    <p:spTree>
+      <p:nvGrpSpPr>
+        <p:cNvPr id="1" name=""/>
+        <p:cNvGrpSpPr/>
+        <p:nvPr/>
+      </p:nvGrpSpPr>
+      <p:grpSpPr>
+        <a:xfrm>
+          <a:off x="0" y="0"/>
+          <a:ext cx="0" cy="0"/>
+          <a:chOff x="0" y="0"/>
+          <a:chExt cx="0" cy="0"/>
+        </a:xfrm>
+      </p:grpSpPr>
+      <p:pic>
+        <p:nvPicPr>
+          <p:cNvPr id="5" name="Picture 4">
+            <a:extLst>
+              <a:ext uri="{FF2B5EF4-FFF2-40B4-BE49-F238E27FC236}">
+                <a16:creationId xmlns:a16="http://schemas.microsoft.com/office/drawing/2014/main" id="{F8E63B98-0816-524E-A96E-026FA67710AD}"/>
+              </a:ext>
+            </a:extLst>
+          </p:cNvPr>
+          <p:cNvPicPr>
+            <a:picLocks noChangeAspect="1"/>
+          </p:cNvPicPr>
+          <p:nvPr/>
+        </p:nvPicPr>
+        <p:blipFill>
+          <a:blip r:embed="rId2"/>
+          <a:stretch>
+            <a:fillRect/>
+          </a:stretch>
+        </p:blipFill>
+        <p:spPr>
+          <a:xfrm>
+            <a:off x="2400300" y="1970090"/>
+            <a:ext cx="7391400" cy="2108200"/>
+          </a:xfrm>
+          <a:prstGeom prst="rect">
+            <a:avLst/>
+          </a:prstGeom>
+        </p:spPr>
+      </p:pic>
+      <p:sp>
+        <p:nvSpPr>
+          <p:cNvPr id="6" name="TextBox 5">
+            <a:extLst>
+              <a:ext uri="{FF2B5EF4-FFF2-40B4-BE49-F238E27FC236}">
+                <a16:creationId xmlns:a16="http://schemas.microsoft.com/office/drawing/2014/main" id="{EC5EF453-9381-9749-84E6-9C91E19896DE}"/>
+              </a:ext>
+            </a:extLst>
+          </p:cNvPr>
+          <p:cNvSpPr txBox="1"/>
+          <p:nvPr/>
+        </p:nvSpPr>
+        <p:spPr>
+          <a:xfrm>
+            <a:off x="3022600" y="1534055"/>
+            <a:ext cx="6146800" cy="369332"/>
+          </a:xfrm>
+          <a:prstGeom prst="rect">
+            <a:avLst/>
+          </a:prstGeom>
+          <a:noFill/>
+        </p:spPr>
+        <p:txBody>
+          <a:bodyPr wrap="square" rtlCol="0">
+            <a:spAutoFit/>
+          </a:bodyPr>
+          <a:lstStyle/>
+          <a:p>
+            <a:pPr algn="ctr"/>
+            <a:r>
+              <a:rPr lang="en-US" dirty="0"/>
+              <a:t>Testing set-up failing – No initialize method for </a:t>
+            </a:r>
+            <a:r>
+              <a:rPr lang="en-US" dirty="0" err="1"/>
+              <a:t>CardGame</a:t>
+            </a:r>
+            <a:r>
+              <a:rPr lang="en-US" dirty="0"/>
+              <a:t> class</a:t>
+            </a:r>
+          </a:p>
+        </p:txBody>
+      </p:sp>
+      <p:pic>
+        <p:nvPicPr>
+          <p:cNvPr id="7" name="Picture 6">
+            <a:extLst>
+              <a:ext uri="{FF2B5EF4-FFF2-40B4-BE49-F238E27FC236}">
+                <a16:creationId xmlns:a16="http://schemas.microsoft.com/office/drawing/2014/main" id="{0A6E971D-8B28-D246-A1AE-F556B0609109}"/>
+              </a:ext>
+            </a:extLst>
+          </p:cNvPr>
+          <p:cNvPicPr>
+            <a:picLocks noChangeAspect="1"/>
+          </p:cNvPicPr>
+          <p:nvPr/>
+        </p:nvPicPr>
+        <p:blipFill>
+          <a:blip r:embed="rId3"/>
+          <a:stretch>
+            <a:fillRect/>
+          </a:stretch>
+        </p:blipFill>
+        <p:spPr>
+          <a:xfrm>
+            <a:off x="4432300" y="4251270"/>
+            <a:ext cx="3327400" cy="939800"/>
+          </a:xfrm>
+          <a:prstGeom prst="rect">
+            <a:avLst/>
+          </a:prstGeom>
+        </p:spPr>
+      </p:pic>
+    </p:spTree>
+    <p:extLst>
+      <p:ext uri="{BB962C8B-B14F-4D97-AF65-F5344CB8AC3E}">
+        <p14:creationId xmlns:p14="http://schemas.microsoft.com/office/powerpoint/2010/main" val="2477817004"/>
+      </p:ext>
+    </p:extLst>
+  </p:cSld>
+  <p:clrMapOvr>
+    <a:masterClrMapping/>
+  </p:clrMapOvr>
+</p:sld>
+</file>
+
+<file path=ppt/slides/slide5.xml><?xml version="1.0" encoding="utf-8"?>
+<p:sld xmlns:a="http://schemas.openxmlformats.org/drawingml/2006/main" xmlns:r="http://schemas.openxmlformats.org/officeDocument/2006/relationships" xmlns:p="http://schemas.openxmlformats.org/presentationml/2006/main">
+  <p:cSld>
+    <p:spTree>
+      <p:nvGrpSpPr>
+        <p:cNvPr id="1" name=""/>
+        <p:cNvGrpSpPr/>
+        <p:nvPr/>
+      </p:nvGrpSpPr>
+      <p:grpSpPr>
+        <a:xfrm>
+          <a:off x="0" y="0"/>
+          <a:ext cx="0" cy="0"/>
+          <a:chOff x="0" y="0"/>
+          <a:chExt cx="0" cy="0"/>
+        </a:xfrm>
+      </p:grpSpPr>
+      <p:pic>
+        <p:nvPicPr>
+          <p:cNvPr id="5" name="Picture 4">
+            <a:extLst>
+              <a:ext uri="{FF2B5EF4-FFF2-40B4-BE49-F238E27FC236}">
+                <a16:creationId xmlns:a16="http://schemas.microsoft.com/office/drawing/2014/main" id="{5E20351C-7DB5-3E46-8E0E-AD37A52885E8}"/>
+              </a:ext>
+            </a:extLst>
+          </p:cNvPr>
+          <p:cNvPicPr>
+            <a:picLocks noChangeAspect="1"/>
+          </p:cNvPicPr>
+          <p:nvPr/>
+        </p:nvPicPr>
+        <p:blipFill>
+          <a:blip r:embed="rId2"/>
+          <a:stretch>
+            <a:fillRect/>
+          </a:stretch>
+        </p:blipFill>
+        <p:spPr>
+          <a:xfrm>
+            <a:off x="2438400" y="1905000"/>
+            <a:ext cx="7315200" cy="3048000"/>
+          </a:xfrm>
+          <a:prstGeom prst="rect">
+            <a:avLst/>
+          </a:prstGeom>
+        </p:spPr>
+      </p:pic>
+      <p:sp>
+        <p:nvSpPr>
+          <p:cNvPr id="6" name="TextBox 5">
+            <a:extLst>
+              <a:ext uri="{FF2B5EF4-FFF2-40B4-BE49-F238E27FC236}">
+                <a16:creationId xmlns:a16="http://schemas.microsoft.com/office/drawing/2014/main" id="{478C93DF-E905-EF40-8A80-94266A44175F}"/>
+              </a:ext>
+            </a:extLst>
+          </p:cNvPr>
+          <p:cNvSpPr txBox="1"/>
+          <p:nvPr/>
+        </p:nvSpPr>
+        <p:spPr>
+          <a:xfrm>
+            <a:off x="3022600" y="1534055"/>
+            <a:ext cx="6146800" cy="369332"/>
+          </a:xfrm>
+          <a:prstGeom prst="rect">
+            <a:avLst/>
+          </a:prstGeom>
+          <a:noFill/>
+        </p:spPr>
+        <p:txBody>
+          <a:bodyPr wrap="square" rtlCol="0">
+            <a:spAutoFit/>
+          </a:bodyPr>
+          <a:lstStyle/>
+          <a:p>
+            <a:pPr algn="ctr"/>
+            <a:r>
+              <a:rPr lang="en-US" dirty="0"/>
+              <a:t>Testing set-up failing – check for ace method in wrong case</a:t>
+            </a:r>
+          </a:p>
+        </p:txBody>
+      </p:sp>
+      <p:pic>
+        <p:nvPicPr>
+          <p:cNvPr id="7" name="Picture 6">
+            <a:extLst>
+              <a:ext uri="{FF2B5EF4-FFF2-40B4-BE49-F238E27FC236}">
+                <a16:creationId xmlns:a16="http://schemas.microsoft.com/office/drawing/2014/main" id="{C1EE7952-2FE1-1745-9BE6-16BFD6D841EF}"/>
+              </a:ext>
+            </a:extLst>
+          </p:cNvPr>
+          <p:cNvPicPr>
+            <a:picLocks noChangeAspect="1"/>
+          </p:cNvPicPr>
+          <p:nvPr/>
+        </p:nvPicPr>
+        <p:blipFill>
+          <a:blip r:embed="rId3"/>
+          <a:stretch>
+            <a:fillRect/>
+          </a:stretch>
+        </p:blipFill>
+        <p:spPr>
+          <a:xfrm>
+            <a:off x="4210050" y="5349345"/>
+            <a:ext cx="3771900" cy="304800"/>
+          </a:xfrm>
+          <a:prstGeom prst="rect">
+            <a:avLst/>
+          </a:prstGeom>
+        </p:spPr>
+      </p:pic>
+    </p:spTree>
+    <p:extLst>
+      <p:ext uri="{BB962C8B-B14F-4D97-AF65-F5344CB8AC3E}">
+        <p14:creationId xmlns:p14="http://schemas.microsoft.com/office/powerpoint/2010/main" val="3428313026"/>
+      </p:ext>
+    </p:extLst>
+  </p:cSld>
+  <p:clrMapOvr>
+    <a:masterClrMapping/>
+  </p:clrMapOvr>
+</p:sld>
+</file>
+
+<file path=ppt/slides/slide6.xml><?xml version="1.0" encoding="utf-8"?>
+<p:sld xmlns:a="http://schemas.openxmlformats.org/drawingml/2006/main" xmlns:r="http://schemas.openxmlformats.org/officeDocument/2006/relationships" xmlns:p="http://schemas.openxmlformats.org/presentationml/2006/main">
+  <p:cSld>
+    <p:spTree>
+      <p:nvGrpSpPr>
+        <p:cNvPr id="1" name=""/>
+        <p:cNvGrpSpPr/>
+        <p:nvPr/>
+      </p:nvGrpSpPr>
+      <p:grpSpPr>
+        <a:xfrm>
+          <a:off x="0" y="0"/>
+          <a:ext cx="0" cy="0"/>
+          <a:chOff x="0" y="0"/>
+          <a:chExt cx="0" cy="0"/>
+        </a:xfrm>
+      </p:grpSpPr>
+      <p:pic>
+        <p:nvPicPr>
+          <p:cNvPr id="2" name="Picture 1">
+            <a:extLst>
+              <a:ext uri="{FF2B5EF4-FFF2-40B4-BE49-F238E27FC236}">
+                <a16:creationId xmlns:a16="http://schemas.microsoft.com/office/drawing/2014/main" id="{C219A9AD-C079-AB4F-8CDB-CB62F5C16726}"/>
+              </a:ext>
+            </a:extLst>
+          </p:cNvPr>
+          <p:cNvPicPr>
+            <a:picLocks noChangeAspect="1"/>
+          </p:cNvPicPr>
+          <p:nvPr/>
+        </p:nvPicPr>
+        <p:blipFill>
+          <a:blip r:embed="rId2"/>
+          <a:stretch>
+            <a:fillRect/>
+          </a:stretch>
+        </p:blipFill>
+        <p:spPr>
+          <a:xfrm>
+            <a:off x="2425700" y="1898650"/>
+            <a:ext cx="7340600" cy="3060700"/>
+          </a:xfrm>
+          <a:prstGeom prst="rect">
+            <a:avLst/>
+          </a:prstGeom>
+        </p:spPr>
+      </p:pic>
+      <p:sp>
+        <p:nvSpPr>
+          <p:cNvPr id="3" name="TextBox 2">
+            <a:extLst>
+              <a:ext uri="{FF2B5EF4-FFF2-40B4-BE49-F238E27FC236}">
+                <a16:creationId xmlns:a16="http://schemas.microsoft.com/office/drawing/2014/main" id="{BF1341BB-6F85-634E-B8C4-FF5836EC5013}"/>
+              </a:ext>
+            </a:extLst>
+          </p:cNvPr>
+          <p:cNvSpPr txBox="1"/>
+          <p:nvPr/>
+        </p:nvSpPr>
+        <p:spPr>
+          <a:xfrm>
+            <a:off x="3022600" y="1505479"/>
+            <a:ext cx="6146800" cy="369332"/>
+          </a:xfrm>
+          <a:prstGeom prst="rect">
+            <a:avLst/>
+          </a:prstGeom>
+          <a:noFill/>
+        </p:spPr>
+        <p:txBody>
+          <a:bodyPr wrap="square" rtlCol="0">
+            <a:spAutoFit/>
+          </a:bodyPr>
+          <a:lstStyle/>
+          <a:p>
+            <a:pPr algn="ctr"/>
+            <a:r>
+              <a:rPr lang="en-US" dirty="0"/>
+              <a:t>Testing set-up failing – check for ace method in wrong case</a:t>
+            </a:r>
+          </a:p>
+        </p:txBody>
+      </p:sp>
+    </p:spTree>
+    <p:extLst>
+      <p:ext uri="{BB962C8B-B14F-4D97-AF65-F5344CB8AC3E}">
+        <p14:creationId xmlns:p14="http://schemas.microsoft.com/office/powerpoint/2010/main" val="1972720682"/>
+      </p:ext>
+    </p:extLst>
+  </p:cSld>
+  <p:clrMapOvr>
+    <a:masterClrMapping/>
+  </p:clrMapOvr>
+</p:sld>
+</file>
+
+<file path=ppt/slides/slide7.xml><?xml version="1.0" encoding="utf-8"?>
+<p:sld xmlns:a="http://schemas.openxmlformats.org/drawingml/2006/main" xmlns:r="http://schemas.openxmlformats.org/officeDocument/2006/relationships" xmlns:p="http://schemas.openxmlformats.org/presentationml/2006/main">
+  <p:cSld>
+    <p:spTree>
+      <p:nvGrpSpPr>
+        <p:cNvPr id="1" name=""/>
+        <p:cNvGrpSpPr/>
+        <p:nvPr/>
+      </p:nvGrpSpPr>
+      <p:grpSpPr>
+        <a:xfrm>
+          <a:off x="0" y="0"/>
+          <a:ext cx="0" cy="0"/>
+          <a:chOff x="0" y="0"/>
+          <a:chExt cx="0" cy="0"/>
+        </a:xfrm>
+      </p:grpSpPr>
+      <p:pic>
+        <p:nvPicPr>
+          <p:cNvPr id="2" name="Picture 1">
+            <a:extLst>
+              <a:ext uri="{FF2B5EF4-FFF2-40B4-BE49-F238E27FC236}">
+                <a16:creationId xmlns:a16="http://schemas.microsoft.com/office/drawing/2014/main" id="{B28C781B-1E3C-C640-8875-7E11CED02961}"/>
+              </a:ext>
+            </a:extLst>
+          </p:cNvPr>
+          <p:cNvPicPr>
+            <a:picLocks noChangeAspect="1"/>
+          </p:cNvPicPr>
+          <p:nvPr/>
+        </p:nvPicPr>
+        <p:blipFill>
+          <a:blip r:embed="rId2"/>
+          <a:stretch>
+            <a:fillRect/>
+          </a:stretch>
+        </p:blipFill>
+        <p:spPr>
+          <a:xfrm>
+            <a:off x="168632" y="541264"/>
+            <a:ext cx="7327900" cy="3708400"/>
+          </a:xfrm>
+          <a:prstGeom prst="rect">
+            <a:avLst/>
+          </a:prstGeom>
+        </p:spPr>
+      </p:pic>
+      <p:sp>
+        <p:nvSpPr>
+          <p:cNvPr id="3" name="TextBox 2">
+            <a:extLst>
+              <a:ext uri="{FF2B5EF4-FFF2-40B4-BE49-F238E27FC236}">
+                <a16:creationId xmlns:a16="http://schemas.microsoft.com/office/drawing/2014/main" id="{A5C0F6E7-7FC6-AB42-B02F-E82BDE54D1C7}"/>
+              </a:ext>
+            </a:extLst>
+          </p:cNvPr>
+          <p:cNvSpPr txBox="1"/>
+          <p:nvPr/>
+        </p:nvSpPr>
+        <p:spPr>
+          <a:xfrm>
+            <a:off x="168632" y="4798568"/>
+            <a:ext cx="3838103" cy="646331"/>
+          </a:xfrm>
+          <a:prstGeom prst="rect">
+            <a:avLst/>
+          </a:prstGeom>
+          <a:noFill/>
+        </p:spPr>
+        <p:txBody>
+          <a:bodyPr wrap="square" rtlCol="0">
+            <a:spAutoFit/>
+          </a:bodyPr>
+          <a:lstStyle/>
+          <a:p>
+            <a:pPr algn="ctr"/>
+            <a:r>
+              <a:rPr lang="en-US" dirty="0"/>
+              <a:t>Testing </a:t>
+            </a:r>
+            <a:r>
+              <a:rPr lang="en-US" dirty="0" err="1"/>
+              <a:t>check_for_ace</a:t>
+            </a:r>
+            <a:r>
+              <a:rPr lang="en-US" dirty="0"/>
+              <a:t> failed </a:t>
+            </a:r>
+          </a:p>
+          <a:p>
+            <a:pPr marL="285750" indent="-285750" algn="ctr">
+              <a:buFont typeface="Arial" panose="020B0604020202020204" pitchFamily="34" charset="0"/>
+              <a:buChar char="•"/>
+            </a:pPr>
+            <a:r>
+              <a:rPr lang="en-US" dirty="0"/>
+              <a:t>double equals needed</a:t>
+            </a:r>
+          </a:p>
+        </p:txBody>
+      </p:sp>
+      <p:pic>
+        <p:nvPicPr>
+          <p:cNvPr id="4" name="Picture 3">
+            <a:extLst>
+              <a:ext uri="{FF2B5EF4-FFF2-40B4-BE49-F238E27FC236}">
+                <a16:creationId xmlns:a16="http://schemas.microsoft.com/office/drawing/2014/main" id="{8EB77BF9-880F-4948-BF99-C353D5E3EBAA}"/>
+              </a:ext>
+            </a:extLst>
+          </p:cNvPr>
+          <p:cNvPicPr>
+            <a:picLocks noChangeAspect="1"/>
+          </p:cNvPicPr>
+          <p:nvPr/>
+        </p:nvPicPr>
+        <p:blipFill>
+          <a:blip r:embed="rId3"/>
+          <a:stretch>
+            <a:fillRect/>
+          </a:stretch>
+        </p:blipFill>
+        <p:spPr>
+          <a:xfrm>
+            <a:off x="7895868" y="2010064"/>
+            <a:ext cx="4127500" cy="571500"/>
+          </a:xfrm>
+          <a:prstGeom prst="rect">
+            <a:avLst/>
+          </a:prstGeom>
+        </p:spPr>
+      </p:pic>
+      <p:pic>
+        <p:nvPicPr>
+          <p:cNvPr id="5" name="Picture 4">
+            <a:extLst>
+              <a:ext uri="{FF2B5EF4-FFF2-40B4-BE49-F238E27FC236}">
+                <a16:creationId xmlns:a16="http://schemas.microsoft.com/office/drawing/2014/main" id="{DA93457D-6EAF-9A41-A008-AE8F1DEC46B3}"/>
+              </a:ext>
+            </a:extLst>
+          </p:cNvPr>
+          <p:cNvPicPr>
+            <a:picLocks noChangeAspect="1"/>
+          </p:cNvPicPr>
+          <p:nvPr/>
+        </p:nvPicPr>
+        <p:blipFill>
+          <a:blip r:embed="rId4"/>
+          <a:stretch>
+            <a:fillRect/>
+          </a:stretch>
+        </p:blipFill>
+        <p:spPr>
+          <a:xfrm>
+            <a:off x="4616980" y="4390799"/>
+            <a:ext cx="7442200" cy="2108200"/>
+          </a:xfrm>
+          <a:prstGeom prst="rect">
+            <a:avLst/>
+          </a:prstGeom>
+        </p:spPr>
+      </p:pic>
+    </p:spTree>
+    <p:extLst>
+      <p:ext uri="{BB962C8B-B14F-4D97-AF65-F5344CB8AC3E}">
+        <p14:creationId xmlns:p14="http://schemas.microsoft.com/office/powerpoint/2010/main" val="1609289290"/>
+      </p:ext>
+    </p:extLst>
+  </p:cSld>
+  <p:clrMapOvr>
+    <a:masterClrMapping/>
+  </p:clrMapOvr>
+</p:sld>
+</file>
+
+<file path=ppt/slides/slide8.xml><?xml version="1.0" encoding="utf-8"?>
+<p:sld xmlns:a="http://schemas.openxmlformats.org/drawingml/2006/main" xmlns:r="http://schemas.openxmlformats.org/officeDocument/2006/relationships" xmlns:p="http://schemas.openxmlformats.org/presentationml/2006/main">
+  <p:cSld>
+    <p:spTree>
+      <p:nvGrpSpPr>
+        <p:cNvPr id="1" name=""/>
+        <p:cNvGrpSpPr/>
+        <p:nvPr/>
+      </p:nvGrpSpPr>
+      <p:grpSpPr>
+        <a:xfrm>
+          <a:off x="0" y="0"/>
+          <a:ext cx="0" cy="0"/>
+          <a:chOff x="0" y="0"/>
+          <a:chExt cx="0" cy="0"/>
+        </a:xfrm>
+      </p:grpSpPr>
+      <p:pic>
+        <p:nvPicPr>
+          <p:cNvPr id="2" name="Picture 1">
+            <a:extLst>
+              <a:ext uri="{FF2B5EF4-FFF2-40B4-BE49-F238E27FC236}">
+                <a16:creationId xmlns:a16="http://schemas.microsoft.com/office/drawing/2014/main" id="{A3B3E5FA-7A90-7F44-9DD1-DA4E9F4200EF}"/>
+              </a:ext>
+            </a:extLst>
+          </p:cNvPr>
+          <p:cNvPicPr>
+            <a:picLocks noChangeAspect="1"/>
+          </p:cNvPicPr>
+          <p:nvPr/>
+        </p:nvPicPr>
+        <p:blipFill>
+          <a:blip r:embed="rId2"/>
+          <a:stretch>
+            <a:fillRect/>
+          </a:stretch>
+        </p:blipFill>
+        <p:spPr>
+          <a:xfrm>
+            <a:off x="238990" y="180424"/>
+            <a:ext cx="7391400" cy="2070100"/>
+          </a:xfrm>
+          <a:prstGeom prst="rect">
+            <a:avLst/>
+          </a:prstGeom>
+        </p:spPr>
+      </p:pic>
+      <p:sp>
+        <p:nvSpPr>
+          <p:cNvPr id="3" name="TextBox 2">
+            <a:extLst>
+              <a:ext uri="{FF2B5EF4-FFF2-40B4-BE49-F238E27FC236}">
+                <a16:creationId xmlns:a16="http://schemas.microsoft.com/office/drawing/2014/main" id="{02A4A1EC-D349-E549-91CA-BC3427A694A9}"/>
+              </a:ext>
+            </a:extLst>
+          </p:cNvPr>
+          <p:cNvSpPr txBox="1"/>
+          <p:nvPr/>
+        </p:nvSpPr>
+        <p:spPr>
+          <a:xfrm>
+            <a:off x="172492" y="2699409"/>
+            <a:ext cx="4555376" cy="2031325"/>
+          </a:xfrm>
+          <a:prstGeom prst="rect">
+            <a:avLst/>
+          </a:prstGeom>
+          <a:noFill/>
+        </p:spPr>
+        <p:txBody>
+          <a:bodyPr wrap="square" rtlCol="0">
+            <a:spAutoFit/>
+          </a:bodyPr>
+          <a:lstStyle/>
+          <a:p>
+            <a:r>
+              <a:rPr lang="en-US" dirty="0"/>
+              <a:t>Testing </a:t>
+            </a:r>
+            <a:r>
+              <a:rPr lang="en-US" dirty="0" err="1"/>
+              <a:t>highest_card</a:t>
+            </a:r>
+            <a:r>
+              <a:rPr lang="en-US" dirty="0"/>
+              <a:t> failed</a:t>
+            </a:r>
+          </a:p>
+          <a:p>
+            <a:pPr marL="285750" indent="-285750">
+              <a:buFont typeface="Arial" panose="020B0604020202020204" pitchFamily="34" charset="0"/>
+              <a:buChar char="•"/>
+            </a:pPr>
+            <a:r>
+              <a:rPr lang="en-US" dirty="0"/>
+              <a:t>Comma between card1 and card 2 missing </a:t>
+            </a:r>
+          </a:p>
+          <a:p>
+            <a:pPr marL="285750" indent="-285750">
+              <a:buFont typeface="Arial" panose="020B0604020202020204" pitchFamily="34" charset="0"/>
+              <a:buChar char="•"/>
+            </a:pPr>
+            <a:r>
+              <a:rPr lang="en-US" dirty="0" err="1"/>
+              <a:t>dif</a:t>
+            </a:r>
+            <a:r>
+              <a:rPr lang="en-US" dirty="0"/>
+              <a:t> should be def</a:t>
+            </a:r>
+          </a:p>
+          <a:p>
+            <a:pPr marL="285750" indent="-285750">
+              <a:buFont typeface="Arial" panose="020B0604020202020204" pitchFamily="34" charset="0"/>
+              <a:buChar char="•"/>
+            </a:pPr>
+            <a:r>
+              <a:rPr lang="en-US" dirty="0"/>
+              <a:t>end missing</a:t>
+            </a:r>
+          </a:p>
+          <a:p>
+            <a:pPr marL="285750" indent="-285750">
+              <a:buFont typeface="Arial" panose="020B0604020202020204" pitchFamily="34" charset="0"/>
+              <a:buChar char="•"/>
+            </a:pPr>
+            <a:r>
+              <a:rPr lang="en-US" dirty="0" err="1"/>
+              <a:t>card.name</a:t>
+            </a:r>
+            <a:r>
+              <a:rPr lang="en-US" dirty="0"/>
+              <a:t> should be card1</a:t>
+            </a:r>
+          </a:p>
+          <a:p>
+            <a:pPr marL="285750" indent="-285750">
+              <a:buFont typeface="Arial" panose="020B0604020202020204" pitchFamily="34" charset="0"/>
+              <a:buChar char="•"/>
+            </a:pPr>
+            <a:r>
+              <a:rPr lang="en-US" dirty="0"/>
+              <a:t>No contingency if the cards are the same, else if needed</a:t>
+            </a:r>
+          </a:p>
+        </p:txBody>
+      </p:sp>
+      <p:pic>
+        <p:nvPicPr>
+          <p:cNvPr id="5" name="Picture 4">
+            <a:extLst>
+              <a:ext uri="{FF2B5EF4-FFF2-40B4-BE49-F238E27FC236}">
+                <a16:creationId xmlns:a16="http://schemas.microsoft.com/office/drawing/2014/main" id="{5F272EFC-9AA2-AD4B-8A96-7E5C4839839B}"/>
+              </a:ext>
+            </a:extLst>
+          </p:cNvPr>
+          <p:cNvPicPr>
+            <a:picLocks noChangeAspect="1"/>
+          </p:cNvPicPr>
+          <p:nvPr/>
+        </p:nvPicPr>
+        <p:blipFill>
+          <a:blip r:embed="rId3"/>
+          <a:stretch>
+            <a:fillRect/>
+          </a:stretch>
+        </p:blipFill>
+        <p:spPr>
+          <a:xfrm>
+            <a:off x="8104910" y="402674"/>
+            <a:ext cx="3848100" cy="1625600"/>
+          </a:xfrm>
+          <a:prstGeom prst="rect">
+            <a:avLst/>
+          </a:prstGeom>
+        </p:spPr>
+      </p:pic>
+      <p:pic>
+        <p:nvPicPr>
+          <p:cNvPr id="6" name="Picture 5">
+            <a:extLst>
+              <a:ext uri="{FF2B5EF4-FFF2-40B4-BE49-F238E27FC236}">
+                <a16:creationId xmlns:a16="http://schemas.microsoft.com/office/drawing/2014/main" id="{69DC6E35-AA03-B64D-B3B9-6582F4B996B3}"/>
+              </a:ext>
+            </a:extLst>
+          </p:cNvPr>
+          <p:cNvPicPr>
+            <a:picLocks noChangeAspect="1"/>
+          </p:cNvPicPr>
+          <p:nvPr/>
+        </p:nvPicPr>
+        <p:blipFill>
+          <a:blip r:embed="rId4"/>
+          <a:stretch>
+            <a:fillRect/>
+          </a:stretch>
+        </p:blipFill>
+        <p:spPr>
+          <a:xfrm>
+            <a:off x="4636425" y="2535529"/>
+            <a:ext cx="7391400" cy="2413000"/>
+          </a:xfrm>
+          <a:prstGeom prst="rect">
+            <a:avLst/>
+          </a:prstGeom>
+        </p:spPr>
+      </p:pic>
+    </p:spTree>
+    <p:extLst>
+      <p:ext uri="{BB962C8B-B14F-4D97-AF65-F5344CB8AC3E}">
+        <p14:creationId xmlns:p14="http://schemas.microsoft.com/office/powerpoint/2010/main" val="1389655129"/>
+      </p:ext>
+    </p:extLst>
+  </p:cSld>
+  <p:clrMapOvr>
+    <a:masterClrMapping/>
+  </p:clrMapOvr>
+</p:sld>
+</file>
+
+<file path=ppt/slides/slide9.xml><?xml version="1.0" encoding="utf-8"?>
+<p:sld xmlns:a="http://schemas.openxmlformats.org/drawingml/2006/main" xmlns:r="http://schemas.openxmlformats.org/officeDocument/2006/relationships" xmlns:p="http://schemas.openxmlformats.org/presentationml/2006/main">
+  <p:cSld>
+    <p:spTree>
+      <p:nvGrpSpPr>
+        <p:cNvPr id="1" name=""/>
+        <p:cNvGrpSpPr/>
+        <p:nvPr/>
+      </p:nvGrpSpPr>
+      <p:grpSpPr>
+        <a:xfrm>
+          <a:off x="0" y="0"/>
+          <a:ext cx="0" cy="0"/>
+          <a:chOff x="0" y="0"/>
+          <a:chExt cx="0" cy="0"/>
+        </a:xfrm>
+      </p:grpSpPr>
+      <p:pic>
+        <p:nvPicPr>
+          <p:cNvPr id="2" name="Picture 1">
+            <a:extLst>
+              <a:ext uri="{FF2B5EF4-FFF2-40B4-BE49-F238E27FC236}">
+                <a16:creationId xmlns:a16="http://schemas.microsoft.com/office/drawing/2014/main" id="{E0E43ED0-5C1D-A943-A287-1020E1AA7364}"/>
+              </a:ext>
+            </a:extLst>
+          </p:cNvPr>
+          <p:cNvPicPr>
+            <a:picLocks noChangeAspect="1"/>
+          </p:cNvPicPr>
+          <p:nvPr/>
+        </p:nvPicPr>
+        <p:blipFill rotWithShape="1">
+          <a:blip r:embed="rId2"/>
+          <a:srcRect r="12355"/>
+          <a:stretch/>
+        </p:blipFill>
+        <p:spPr>
+          <a:xfrm>
+            <a:off x="199583" y="399010"/>
+            <a:ext cx="6500471" cy="3060700"/>
+          </a:xfrm>
+          <a:prstGeom prst="rect">
+            <a:avLst/>
+          </a:prstGeom>
+        </p:spPr>
+      </p:pic>
+      <p:sp>
+        <p:nvSpPr>
+          <p:cNvPr id="3" name="TextBox 2">
+            <a:extLst>
+              <a:ext uri="{FF2B5EF4-FFF2-40B4-BE49-F238E27FC236}">
+                <a16:creationId xmlns:a16="http://schemas.microsoft.com/office/drawing/2014/main" id="{58ABC2C6-1B6F-1147-8AEE-3AB30D141FB0}"/>
+              </a:ext>
+            </a:extLst>
+          </p:cNvPr>
+          <p:cNvSpPr txBox="1"/>
+          <p:nvPr/>
+        </p:nvSpPr>
+        <p:spPr>
+          <a:xfrm>
+            <a:off x="525120" y="3645130"/>
+            <a:ext cx="4258887" cy="2308324"/>
+          </a:xfrm>
+          <a:prstGeom prst="rect">
+            <a:avLst/>
+          </a:prstGeom>
+          <a:noFill/>
+        </p:spPr>
+        <p:txBody>
+          <a:bodyPr wrap="square" rtlCol="0">
+            <a:spAutoFit/>
+          </a:bodyPr>
+          <a:lstStyle/>
+          <a:p>
+            <a:r>
+              <a:rPr lang="en-US" dirty="0"/>
+              <a:t>Testing cards total failed</a:t>
+            </a:r>
+          </a:p>
+          <a:p>
+            <a:pPr marL="285750" indent="-285750">
+              <a:buFont typeface="Arial" panose="020B0604020202020204" pitchFamily="34" charset="0"/>
+              <a:buChar char="•"/>
+            </a:pPr>
+            <a:r>
+              <a:rPr lang="en-US" dirty="0"/>
+              <a:t>Method outside of class</a:t>
+            </a:r>
+          </a:p>
+          <a:p>
+            <a:pPr marL="285750" indent="-285750">
+              <a:buFont typeface="Arial" panose="020B0604020202020204" pitchFamily="34" charset="0"/>
+              <a:buChar char="•"/>
+            </a:pPr>
+            <a:r>
+              <a:rPr lang="en-US" dirty="0"/>
+              <a:t>Shouldn’t be a self method</a:t>
+            </a:r>
+          </a:p>
+          <a:p>
+            <a:pPr marL="285750" indent="-285750">
+              <a:buFont typeface="Arial" panose="020B0604020202020204" pitchFamily="34" charset="0"/>
+              <a:buChar char="•"/>
+            </a:pPr>
+            <a:r>
+              <a:rPr lang="en-US" dirty="0"/>
+              <a:t>Total should be equal to zero</a:t>
+            </a:r>
+          </a:p>
+          <a:p>
+            <a:pPr marL="285750" indent="-285750">
+              <a:buFont typeface="Arial" panose="020B0604020202020204" pitchFamily="34" charset="0"/>
+              <a:buChar char="•"/>
+            </a:pPr>
+            <a:r>
+              <a:rPr lang="en-US" dirty="0"/>
+              <a:t>+ total in the last line needs a to string method</a:t>
+            </a:r>
+          </a:p>
+          <a:p>
+            <a:pPr marL="285750" indent="-285750">
+              <a:buFont typeface="Arial" panose="020B0604020202020204" pitchFamily="34" charset="0"/>
+              <a:buChar char="•"/>
+            </a:pPr>
+            <a:r>
+              <a:rPr lang="en-US" dirty="0"/>
+              <a:t>Needs a space after you have a total of</a:t>
+            </a:r>
+          </a:p>
+          <a:p>
+            <a:pPr marL="285750" indent="-285750">
+              <a:buFont typeface="Arial" panose="020B0604020202020204" pitchFamily="34" charset="0"/>
+              <a:buChar char="•"/>
+            </a:pPr>
+            <a:r>
+              <a:rPr lang="en-US" dirty="0"/>
+              <a:t>Return should be outside for loop</a:t>
+            </a:r>
+          </a:p>
+        </p:txBody>
+      </p:sp>
+      <p:pic>
+        <p:nvPicPr>
+          <p:cNvPr id="4" name="Picture 3">
+            <a:extLst>
+              <a:ext uri="{FF2B5EF4-FFF2-40B4-BE49-F238E27FC236}">
+                <a16:creationId xmlns:a16="http://schemas.microsoft.com/office/drawing/2014/main" id="{C1497AB5-DDA4-2F40-A0CC-BF83EECD4868}"/>
+              </a:ext>
+            </a:extLst>
+          </p:cNvPr>
+          <p:cNvPicPr>
+            <a:picLocks noChangeAspect="1"/>
+          </p:cNvPicPr>
+          <p:nvPr/>
+        </p:nvPicPr>
+        <p:blipFill rotWithShape="1">
+          <a:blip r:embed="rId3"/>
+          <a:srcRect r="11451"/>
+          <a:stretch/>
+        </p:blipFill>
+        <p:spPr>
+          <a:xfrm>
+            <a:off x="5382518" y="3527754"/>
+            <a:ext cx="6533804" cy="2425700"/>
+          </a:xfrm>
+          <a:prstGeom prst="rect">
+            <a:avLst/>
+          </a:prstGeom>
+        </p:spPr>
+      </p:pic>
+      <p:pic>
+        <p:nvPicPr>
+          <p:cNvPr id="5" name="Picture 4">
+            <a:extLst>
+              <a:ext uri="{FF2B5EF4-FFF2-40B4-BE49-F238E27FC236}">
+                <a16:creationId xmlns:a16="http://schemas.microsoft.com/office/drawing/2014/main" id="{12BAFB82-5EF2-2845-8531-0BEBB1FFD123}"/>
+              </a:ext>
+            </a:extLst>
+          </p:cNvPr>
+          <p:cNvPicPr>
+            <a:picLocks noChangeAspect="1"/>
+          </p:cNvPicPr>
+          <p:nvPr/>
+        </p:nvPicPr>
+        <p:blipFill>
+          <a:blip r:embed="rId4"/>
+          <a:stretch>
+            <a:fillRect/>
+          </a:stretch>
+        </p:blipFill>
+        <p:spPr>
+          <a:xfrm>
+            <a:off x="6762201" y="1088258"/>
+            <a:ext cx="5270500" cy="1943100"/>
+          </a:xfrm>
+          <a:prstGeom prst="rect">
+            <a:avLst/>
+          </a:prstGeom>
+        </p:spPr>
+      </p:pic>
+    </p:spTree>
+    <p:extLst>
+      <p:ext uri="{BB962C8B-B14F-4D97-AF65-F5344CB8AC3E}">
+        <p14:creationId xmlns:p14="http://schemas.microsoft.com/office/powerpoint/2010/main" val="1597261451"/>
       </p:ext>
     </p:extLst>
   </p:cSld>
